--- a/ppt 16-9/0594.称颂上帝.pptx
+++ b/ppt 16-9/0594.称颂上帝.pptx
@@ -5,7 +5,7 @@
     <p:sldMasterId id="2147483648" r:id="rId1"/>
   </p:sldMasterIdLst>
   <p:sldIdLst>
-    <p:sldId id="2368" r:id="rId2"/>
+    <p:sldId id="2370" r:id="rId2"/>
   </p:sldIdLst>
   <p:sldSz cx="12192000" cy="6858000"/>
   <p:notesSz cx="6858000" cy="9144000"/>
@@ -129,7 +129,7 @@
           <p:cNvPr id="2" name="标题 1">
             <a:extLst>
               <a:ext uri="{FF2B5EF4-FFF2-40B4-BE49-F238E27FC236}">
-                <a16:creationId xmlns:a16="http://schemas.microsoft.com/office/drawing/2014/main" id="{C4AC9BBF-ECE6-7BDA-18C2-61320BEE30C2}"/>
+                <a16:creationId xmlns:a16="http://schemas.microsoft.com/office/drawing/2014/main" id="{46D966AB-9D08-BCE3-71FB-36CC0485849A}"/>
               </a:ext>
             </a:extLst>
           </p:cNvPr>
@@ -166,7 +166,7 @@
           <p:cNvPr id="3" name="副标题 2">
             <a:extLst>
               <a:ext uri="{FF2B5EF4-FFF2-40B4-BE49-F238E27FC236}">
-                <a16:creationId xmlns:a16="http://schemas.microsoft.com/office/drawing/2014/main" id="{FC710DAB-7D71-1D74-BFAE-2BE493376533}"/>
+                <a16:creationId xmlns:a16="http://schemas.microsoft.com/office/drawing/2014/main" id="{81057C2C-862D-8D40-02BD-6ED775562DB7}"/>
               </a:ext>
             </a:extLst>
           </p:cNvPr>
@@ -236,7 +236,7 @@
           <p:cNvPr id="4" name="日期占位符 3">
             <a:extLst>
               <a:ext uri="{FF2B5EF4-FFF2-40B4-BE49-F238E27FC236}">
-                <a16:creationId xmlns:a16="http://schemas.microsoft.com/office/drawing/2014/main" id="{D574463A-3F2F-6FC5-EF76-56F2CA1DD229}"/>
+                <a16:creationId xmlns:a16="http://schemas.microsoft.com/office/drawing/2014/main" id="{2D905990-28B1-5F26-F1FF-2411A039C81F}"/>
               </a:ext>
             </a:extLst>
           </p:cNvPr>
@@ -252,7 +252,7 @@
           <a:bodyPr/>
           <a:lstStyle/>
           <a:p>
-            <a:fld id="{82BB284A-3647-4100-837C-26C724E6BB3B}" type="datetimeFigureOut">
+            <a:fld id="{93B23A89-AADF-40A6-9FC5-4BC865C344F0}" type="datetimeFigureOut">
               <a:rPr lang="zh-CN" altLang="en-US" smtClean="0"/>
               <a:t>2024/3/10</a:t>
             </a:fld>
@@ -265,7 +265,7 @@
           <p:cNvPr id="5" name="页脚占位符 4">
             <a:extLst>
               <a:ext uri="{FF2B5EF4-FFF2-40B4-BE49-F238E27FC236}">
-                <a16:creationId xmlns:a16="http://schemas.microsoft.com/office/drawing/2014/main" id="{F0B81C4E-7780-87DE-2853-003F912B715D}"/>
+                <a16:creationId xmlns:a16="http://schemas.microsoft.com/office/drawing/2014/main" id="{0A24AABF-D11A-4E5D-7587-B92B6FE98220}"/>
               </a:ext>
             </a:extLst>
           </p:cNvPr>
@@ -290,7 +290,7 @@
           <p:cNvPr id="6" name="灯片编号占位符 5">
             <a:extLst>
               <a:ext uri="{FF2B5EF4-FFF2-40B4-BE49-F238E27FC236}">
-                <a16:creationId xmlns:a16="http://schemas.microsoft.com/office/drawing/2014/main" id="{FB86411E-0765-EBBB-BC59-670A799EDB5F}"/>
+                <a16:creationId xmlns:a16="http://schemas.microsoft.com/office/drawing/2014/main" id="{E4C0E0FD-5C58-072C-34CB-5404507ED351}"/>
               </a:ext>
             </a:extLst>
           </p:cNvPr>
@@ -306,7 +306,7 @@
           <a:bodyPr/>
           <a:lstStyle/>
           <a:p>
-            <a:fld id="{CF90B93A-F81F-49D0-A847-043A8B23B8C4}" type="slidenum">
+            <a:fld id="{05A26427-DCC4-4172-8F33-69F1261F8897}" type="slidenum">
               <a:rPr lang="zh-CN" altLang="en-US" smtClean="0"/>
               <a:t>‹#›</a:t>
             </a:fld>
@@ -317,7 +317,7 @@
     </p:spTree>
     <p:extLst>
       <p:ext uri="{BB962C8B-B14F-4D97-AF65-F5344CB8AC3E}">
-        <p14:creationId xmlns:p14="http://schemas.microsoft.com/office/powerpoint/2010/main" val="2236359823"/>
+        <p14:creationId xmlns:p14="http://schemas.microsoft.com/office/powerpoint/2010/main" val="3893913387"/>
       </p:ext>
     </p:extLst>
   </p:cSld>
@@ -349,7 +349,7 @@
           <p:cNvPr id="2" name="标题 1">
             <a:extLst>
               <a:ext uri="{FF2B5EF4-FFF2-40B4-BE49-F238E27FC236}">
-                <a16:creationId xmlns:a16="http://schemas.microsoft.com/office/drawing/2014/main" id="{5C5EDA8D-63EE-9F39-5E6D-8F84A5685567}"/>
+                <a16:creationId xmlns:a16="http://schemas.microsoft.com/office/drawing/2014/main" id="{075A2F51-9456-9968-D4DA-F80CF56EA0EA}"/>
               </a:ext>
             </a:extLst>
           </p:cNvPr>
@@ -377,7 +377,7 @@
           <p:cNvPr id="3" name="竖排文字占位符 2">
             <a:extLst>
               <a:ext uri="{FF2B5EF4-FFF2-40B4-BE49-F238E27FC236}">
-                <a16:creationId xmlns:a16="http://schemas.microsoft.com/office/drawing/2014/main" id="{6C83349F-8126-6908-763A-ECBACEB4D40E}"/>
+                <a16:creationId xmlns:a16="http://schemas.microsoft.com/office/drawing/2014/main" id="{5042F69C-ADB3-E4C5-349B-1C95853831C2}"/>
               </a:ext>
             </a:extLst>
           </p:cNvPr>
@@ -434,7 +434,7 @@
           <p:cNvPr id="4" name="日期占位符 3">
             <a:extLst>
               <a:ext uri="{FF2B5EF4-FFF2-40B4-BE49-F238E27FC236}">
-                <a16:creationId xmlns:a16="http://schemas.microsoft.com/office/drawing/2014/main" id="{118E73C1-F2CA-F093-A60A-A05E4B8BC3FA}"/>
+                <a16:creationId xmlns:a16="http://schemas.microsoft.com/office/drawing/2014/main" id="{D66F9C9A-CB05-51A3-010F-FB0072B90C12}"/>
               </a:ext>
             </a:extLst>
           </p:cNvPr>
@@ -450,7 +450,7 @@
           <a:bodyPr/>
           <a:lstStyle/>
           <a:p>
-            <a:fld id="{82BB284A-3647-4100-837C-26C724E6BB3B}" type="datetimeFigureOut">
+            <a:fld id="{93B23A89-AADF-40A6-9FC5-4BC865C344F0}" type="datetimeFigureOut">
               <a:rPr lang="zh-CN" altLang="en-US" smtClean="0"/>
               <a:t>2024/3/10</a:t>
             </a:fld>
@@ -463,7 +463,7 @@
           <p:cNvPr id="5" name="页脚占位符 4">
             <a:extLst>
               <a:ext uri="{FF2B5EF4-FFF2-40B4-BE49-F238E27FC236}">
-                <a16:creationId xmlns:a16="http://schemas.microsoft.com/office/drawing/2014/main" id="{50935385-C0C4-0677-61AB-88AA125E9CA0}"/>
+                <a16:creationId xmlns:a16="http://schemas.microsoft.com/office/drawing/2014/main" id="{F5DF795B-D02A-B9FB-6C68-C8463A078783}"/>
               </a:ext>
             </a:extLst>
           </p:cNvPr>
@@ -488,7 +488,7 @@
           <p:cNvPr id="6" name="灯片编号占位符 5">
             <a:extLst>
               <a:ext uri="{FF2B5EF4-FFF2-40B4-BE49-F238E27FC236}">
-                <a16:creationId xmlns:a16="http://schemas.microsoft.com/office/drawing/2014/main" id="{F2F80BAB-4561-2BBE-7477-060B06138AF8}"/>
+                <a16:creationId xmlns:a16="http://schemas.microsoft.com/office/drawing/2014/main" id="{19ADEA40-AE33-BB37-B1F4-BE4A4F67B3E3}"/>
               </a:ext>
             </a:extLst>
           </p:cNvPr>
@@ -504,7 +504,7 @@
           <a:bodyPr/>
           <a:lstStyle/>
           <a:p>
-            <a:fld id="{CF90B93A-F81F-49D0-A847-043A8B23B8C4}" type="slidenum">
+            <a:fld id="{05A26427-DCC4-4172-8F33-69F1261F8897}" type="slidenum">
               <a:rPr lang="zh-CN" altLang="en-US" smtClean="0"/>
               <a:t>‹#›</a:t>
             </a:fld>
@@ -515,7 +515,7 @@
     </p:spTree>
     <p:extLst>
       <p:ext uri="{BB962C8B-B14F-4D97-AF65-F5344CB8AC3E}">
-        <p14:creationId xmlns:p14="http://schemas.microsoft.com/office/powerpoint/2010/main" val="2509924007"/>
+        <p14:creationId xmlns:p14="http://schemas.microsoft.com/office/powerpoint/2010/main" val="4003179356"/>
       </p:ext>
     </p:extLst>
   </p:cSld>
@@ -547,7 +547,7 @@
           <p:cNvPr id="2" name="竖排标题 1">
             <a:extLst>
               <a:ext uri="{FF2B5EF4-FFF2-40B4-BE49-F238E27FC236}">
-                <a16:creationId xmlns:a16="http://schemas.microsoft.com/office/drawing/2014/main" id="{0013FBBA-D4DA-6CA5-19C9-E2C555DC8C16}"/>
+                <a16:creationId xmlns:a16="http://schemas.microsoft.com/office/drawing/2014/main" id="{0A8B13C3-62BE-5035-14F6-EDA3134AA305}"/>
               </a:ext>
             </a:extLst>
           </p:cNvPr>
@@ -580,7 +580,7 @@
           <p:cNvPr id="3" name="竖排文字占位符 2">
             <a:extLst>
               <a:ext uri="{FF2B5EF4-FFF2-40B4-BE49-F238E27FC236}">
-                <a16:creationId xmlns:a16="http://schemas.microsoft.com/office/drawing/2014/main" id="{7924D911-4239-E51F-0AD0-16FD0BF26031}"/>
+                <a16:creationId xmlns:a16="http://schemas.microsoft.com/office/drawing/2014/main" id="{E554306E-F378-0D8E-CA7C-0B6A26D46ED6}"/>
               </a:ext>
             </a:extLst>
           </p:cNvPr>
@@ -642,7 +642,7 @@
           <p:cNvPr id="4" name="日期占位符 3">
             <a:extLst>
               <a:ext uri="{FF2B5EF4-FFF2-40B4-BE49-F238E27FC236}">
-                <a16:creationId xmlns:a16="http://schemas.microsoft.com/office/drawing/2014/main" id="{42B50585-9B1F-D55E-D4C2-03A7C6069DA8}"/>
+                <a16:creationId xmlns:a16="http://schemas.microsoft.com/office/drawing/2014/main" id="{20C89713-0E2C-D69B-D3A0-D6339BB0F907}"/>
               </a:ext>
             </a:extLst>
           </p:cNvPr>
@@ -658,7 +658,7 @@
           <a:bodyPr/>
           <a:lstStyle/>
           <a:p>
-            <a:fld id="{82BB284A-3647-4100-837C-26C724E6BB3B}" type="datetimeFigureOut">
+            <a:fld id="{93B23A89-AADF-40A6-9FC5-4BC865C344F0}" type="datetimeFigureOut">
               <a:rPr lang="zh-CN" altLang="en-US" smtClean="0"/>
               <a:t>2024/3/10</a:t>
             </a:fld>
@@ -671,7 +671,7 @@
           <p:cNvPr id="5" name="页脚占位符 4">
             <a:extLst>
               <a:ext uri="{FF2B5EF4-FFF2-40B4-BE49-F238E27FC236}">
-                <a16:creationId xmlns:a16="http://schemas.microsoft.com/office/drawing/2014/main" id="{5DA40369-4D66-9E37-A251-5244C29E2DF5}"/>
+                <a16:creationId xmlns:a16="http://schemas.microsoft.com/office/drawing/2014/main" id="{FE90917E-22B4-4C76-719F-FE9503FAF311}"/>
               </a:ext>
             </a:extLst>
           </p:cNvPr>
@@ -696,7 +696,7 @@
           <p:cNvPr id="6" name="灯片编号占位符 5">
             <a:extLst>
               <a:ext uri="{FF2B5EF4-FFF2-40B4-BE49-F238E27FC236}">
-                <a16:creationId xmlns:a16="http://schemas.microsoft.com/office/drawing/2014/main" id="{606ED66A-2F97-93BE-F1F5-24C49C86F6CD}"/>
+                <a16:creationId xmlns:a16="http://schemas.microsoft.com/office/drawing/2014/main" id="{5DAD431E-9038-55BF-EFE5-79120D20C1C8}"/>
               </a:ext>
             </a:extLst>
           </p:cNvPr>
@@ -712,7 +712,7 @@
           <a:bodyPr/>
           <a:lstStyle/>
           <a:p>
-            <a:fld id="{CF90B93A-F81F-49D0-A847-043A8B23B8C4}" type="slidenum">
+            <a:fld id="{05A26427-DCC4-4172-8F33-69F1261F8897}" type="slidenum">
               <a:rPr lang="zh-CN" altLang="en-US" smtClean="0"/>
               <a:t>‹#›</a:t>
             </a:fld>
@@ -723,7 +723,7 @@
     </p:spTree>
     <p:extLst>
       <p:ext uri="{BB962C8B-B14F-4D97-AF65-F5344CB8AC3E}">
-        <p14:creationId xmlns:p14="http://schemas.microsoft.com/office/powerpoint/2010/main" val="1269615286"/>
+        <p14:creationId xmlns:p14="http://schemas.microsoft.com/office/powerpoint/2010/main" val="4195732719"/>
       </p:ext>
     </p:extLst>
   </p:cSld>
@@ -755,7 +755,7 @@
           <p:cNvPr id="2" name="标题 1">
             <a:extLst>
               <a:ext uri="{FF2B5EF4-FFF2-40B4-BE49-F238E27FC236}">
-                <a16:creationId xmlns:a16="http://schemas.microsoft.com/office/drawing/2014/main" id="{778AA04C-CF69-E06A-ECE1-CF7D1B1722DA}"/>
+                <a16:creationId xmlns:a16="http://schemas.microsoft.com/office/drawing/2014/main" id="{DE7088A5-033A-68B1-F74D-E6354955162C}"/>
               </a:ext>
             </a:extLst>
           </p:cNvPr>
@@ -783,7 +783,7 @@
           <p:cNvPr id="3" name="内容占位符 2">
             <a:extLst>
               <a:ext uri="{FF2B5EF4-FFF2-40B4-BE49-F238E27FC236}">
-                <a16:creationId xmlns:a16="http://schemas.microsoft.com/office/drawing/2014/main" id="{955C322E-2690-75A5-C550-6E48F56CD4F6}"/>
+                <a16:creationId xmlns:a16="http://schemas.microsoft.com/office/drawing/2014/main" id="{D350174C-AB5B-CA26-E64C-38E7F6BC134F}"/>
               </a:ext>
             </a:extLst>
           </p:cNvPr>
@@ -840,7 +840,7 @@
           <p:cNvPr id="4" name="日期占位符 3">
             <a:extLst>
               <a:ext uri="{FF2B5EF4-FFF2-40B4-BE49-F238E27FC236}">
-                <a16:creationId xmlns:a16="http://schemas.microsoft.com/office/drawing/2014/main" id="{6545F7F9-F030-BD1E-FCFA-03EA76DA493C}"/>
+                <a16:creationId xmlns:a16="http://schemas.microsoft.com/office/drawing/2014/main" id="{DFB4EA87-E095-AB44-E2F0-1AAF53344279}"/>
               </a:ext>
             </a:extLst>
           </p:cNvPr>
@@ -856,7 +856,7 @@
           <a:bodyPr/>
           <a:lstStyle/>
           <a:p>
-            <a:fld id="{82BB284A-3647-4100-837C-26C724E6BB3B}" type="datetimeFigureOut">
+            <a:fld id="{93B23A89-AADF-40A6-9FC5-4BC865C344F0}" type="datetimeFigureOut">
               <a:rPr lang="zh-CN" altLang="en-US" smtClean="0"/>
               <a:t>2024/3/10</a:t>
             </a:fld>
@@ -869,7 +869,7 @@
           <p:cNvPr id="5" name="页脚占位符 4">
             <a:extLst>
               <a:ext uri="{FF2B5EF4-FFF2-40B4-BE49-F238E27FC236}">
-                <a16:creationId xmlns:a16="http://schemas.microsoft.com/office/drawing/2014/main" id="{DFA9521C-75BA-7B0C-8385-DD00981CB35A}"/>
+                <a16:creationId xmlns:a16="http://schemas.microsoft.com/office/drawing/2014/main" id="{1AA42C1E-2BF2-F882-5503-6936743A9691}"/>
               </a:ext>
             </a:extLst>
           </p:cNvPr>
@@ -894,7 +894,7 @@
           <p:cNvPr id="6" name="灯片编号占位符 5">
             <a:extLst>
               <a:ext uri="{FF2B5EF4-FFF2-40B4-BE49-F238E27FC236}">
-                <a16:creationId xmlns:a16="http://schemas.microsoft.com/office/drawing/2014/main" id="{1AF6E14A-6838-DF0D-CBA5-133A16D8024E}"/>
+                <a16:creationId xmlns:a16="http://schemas.microsoft.com/office/drawing/2014/main" id="{F2B825A1-81F2-8B3D-0DB4-334E85DCEA16}"/>
               </a:ext>
             </a:extLst>
           </p:cNvPr>
@@ -910,7 +910,7 @@
           <a:bodyPr/>
           <a:lstStyle/>
           <a:p>
-            <a:fld id="{CF90B93A-F81F-49D0-A847-043A8B23B8C4}" type="slidenum">
+            <a:fld id="{05A26427-DCC4-4172-8F33-69F1261F8897}" type="slidenum">
               <a:rPr lang="zh-CN" altLang="en-US" smtClean="0"/>
               <a:t>‹#›</a:t>
             </a:fld>
@@ -921,7 +921,7 @@
     </p:spTree>
     <p:extLst>
       <p:ext uri="{BB962C8B-B14F-4D97-AF65-F5344CB8AC3E}">
-        <p14:creationId xmlns:p14="http://schemas.microsoft.com/office/powerpoint/2010/main" val="3195819880"/>
+        <p14:creationId xmlns:p14="http://schemas.microsoft.com/office/powerpoint/2010/main" val="257528530"/>
       </p:ext>
     </p:extLst>
   </p:cSld>
@@ -953,7 +953,7 @@
           <p:cNvPr id="2" name="标题 1">
             <a:extLst>
               <a:ext uri="{FF2B5EF4-FFF2-40B4-BE49-F238E27FC236}">
-                <a16:creationId xmlns:a16="http://schemas.microsoft.com/office/drawing/2014/main" id="{EEB145C4-BEB8-23C5-E39C-E58DEEA5EB2F}"/>
+                <a16:creationId xmlns:a16="http://schemas.microsoft.com/office/drawing/2014/main" id="{79F744CA-E299-9C31-A1E2-6FB7363502C2}"/>
               </a:ext>
             </a:extLst>
           </p:cNvPr>
@@ -990,7 +990,7 @@
           <p:cNvPr id="3" name="文本占位符 2">
             <a:extLst>
               <a:ext uri="{FF2B5EF4-FFF2-40B4-BE49-F238E27FC236}">
-                <a16:creationId xmlns:a16="http://schemas.microsoft.com/office/drawing/2014/main" id="{B52DA84B-2422-40D2-A014-374BE8872D5B}"/>
+                <a16:creationId xmlns:a16="http://schemas.microsoft.com/office/drawing/2014/main" id="{E5E1D3BE-C93B-EF34-CE56-A6E74F8FC2E6}"/>
               </a:ext>
             </a:extLst>
           </p:cNvPr>
@@ -1115,7 +1115,7 @@
           <p:cNvPr id="4" name="日期占位符 3">
             <a:extLst>
               <a:ext uri="{FF2B5EF4-FFF2-40B4-BE49-F238E27FC236}">
-                <a16:creationId xmlns:a16="http://schemas.microsoft.com/office/drawing/2014/main" id="{C55AFFF7-AE05-F025-711E-0BD83156B4BA}"/>
+                <a16:creationId xmlns:a16="http://schemas.microsoft.com/office/drawing/2014/main" id="{4204D751-4F6F-C621-8A54-3317079712B5}"/>
               </a:ext>
             </a:extLst>
           </p:cNvPr>
@@ -1131,7 +1131,7 @@
           <a:bodyPr/>
           <a:lstStyle/>
           <a:p>
-            <a:fld id="{82BB284A-3647-4100-837C-26C724E6BB3B}" type="datetimeFigureOut">
+            <a:fld id="{93B23A89-AADF-40A6-9FC5-4BC865C344F0}" type="datetimeFigureOut">
               <a:rPr lang="zh-CN" altLang="en-US" smtClean="0"/>
               <a:t>2024/3/10</a:t>
             </a:fld>
@@ -1144,7 +1144,7 @@
           <p:cNvPr id="5" name="页脚占位符 4">
             <a:extLst>
               <a:ext uri="{FF2B5EF4-FFF2-40B4-BE49-F238E27FC236}">
-                <a16:creationId xmlns:a16="http://schemas.microsoft.com/office/drawing/2014/main" id="{A413495D-129A-EBFD-B608-0E922C2E9CD3}"/>
+                <a16:creationId xmlns:a16="http://schemas.microsoft.com/office/drawing/2014/main" id="{BC6191CF-0316-D059-0470-481461B97C87}"/>
               </a:ext>
             </a:extLst>
           </p:cNvPr>
@@ -1169,7 +1169,7 @@
           <p:cNvPr id="6" name="灯片编号占位符 5">
             <a:extLst>
               <a:ext uri="{FF2B5EF4-FFF2-40B4-BE49-F238E27FC236}">
-                <a16:creationId xmlns:a16="http://schemas.microsoft.com/office/drawing/2014/main" id="{1FF022CA-E1FC-E261-1507-A06E0BDC8738}"/>
+                <a16:creationId xmlns:a16="http://schemas.microsoft.com/office/drawing/2014/main" id="{7EC466CD-31E5-1B90-788E-5421B0576A4B}"/>
               </a:ext>
             </a:extLst>
           </p:cNvPr>
@@ -1185,7 +1185,7 @@
           <a:bodyPr/>
           <a:lstStyle/>
           <a:p>
-            <a:fld id="{CF90B93A-F81F-49D0-A847-043A8B23B8C4}" type="slidenum">
+            <a:fld id="{05A26427-DCC4-4172-8F33-69F1261F8897}" type="slidenum">
               <a:rPr lang="zh-CN" altLang="en-US" smtClean="0"/>
               <a:t>‹#›</a:t>
             </a:fld>
@@ -1196,7 +1196,7 @@
     </p:spTree>
     <p:extLst>
       <p:ext uri="{BB962C8B-B14F-4D97-AF65-F5344CB8AC3E}">
-        <p14:creationId xmlns:p14="http://schemas.microsoft.com/office/powerpoint/2010/main" val="2422359020"/>
+        <p14:creationId xmlns:p14="http://schemas.microsoft.com/office/powerpoint/2010/main" val="868589923"/>
       </p:ext>
     </p:extLst>
   </p:cSld>
@@ -1228,7 +1228,7 @@
           <p:cNvPr id="2" name="标题 1">
             <a:extLst>
               <a:ext uri="{FF2B5EF4-FFF2-40B4-BE49-F238E27FC236}">
-                <a16:creationId xmlns:a16="http://schemas.microsoft.com/office/drawing/2014/main" id="{28535ABC-4499-CBBD-C954-34C688F22F7C}"/>
+                <a16:creationId xmlns:a16="http://schemas.microsoft.com/office/drawing/2014/main" id="{1BC8DB81-6225-E720-3279-6FE0E3D51B09}"/>
               </a:ext>
             </a:extLst>
           </p:cNvPr>
@@ -1256,7 +1256,7 @@
           <p:cNvPr id="3" name="内容占位符 2">
             <a:extLst>
               <a:ext uri="{FF2B5EF4-FFF2-40B4-BE49-F238E27FC236}">
-                <a16:creationId xmlns:a16="http://schemas.microsoft.com/office/drawing/2014/main" id="{0748C656-4484-E647-8416-9739038257CA}"/>
+                <a16:creationId xmlns:a16="http://schemas.microsoft.com/office/drawing/2014/main" id="{F2BF4D41-12E9-F2FE-F884-0275F46108EA}"/>
               </a:ext>
             </a:extLst>
           </p:cNvPr>
@@ -1318,7 +1318,7 @@
           <p:cNvPr id="4" name="内容占位符 3">
             <a:extLst>
               <a:ext uri="{FF2B5EF4-FFF2-40B4-BE49-F238E27FC236}">
-                <a16:creationId xmlns:a16="http://schemas.microsoft.com/office/drawing/2014/main" id="{EB3197CF-6B7C-8975-89DC-C00FFA2F34B7}"/>
+                <a16:creationId xmlns:a16="http://schemas.microsoft.com/office/drawing/2014/main" id="{279FBF61-2A08-1E0E-271A-34F5F3100B3B}"/>
               </a:ext>
             </a:extLst>
           </p:cNvPr>
@@ -1380,7 +1380,7 @@
           <p:cNvPr id="5" name="日期占位符 4">
             <a:extLst>
               <a:ext uri="{FF2B5EF4-FFF2-40B4-BE49-F238E27FC236}">
-                <a16:creationId xmlns:a16="http://schemas.microsoft.com/office/drawing/2014/main" id="{FD5111BA-4CC9-73EB-E820-C3EEF2AA65CA}"/>
+                <a16:creationId xmlns:a16="http://schemas.microsoft.com/office/drawing/2014/main" id="{D79A3DE8-430F-0D11-E0E4-2D6AEF4E64F2}"/>
               </a:ext>
             </a:extLst>
           </p:cNvPr>
@@ -1396,7 +1396,7 @@
           <a:bodyPr/>
           <a:lstStyle/>
           <a:p>
-            <a:fld id="{82BB284A-3647-4100-837C-26C724E6BB3B}" type="datetimeFigureOut">
+            <a:fld id="{93B23A89-AADF-40A6-9FC5-4BC865C344F0}" type="datetimeFigureOut">
               <a:rPr lang="zh-CN" altLang="en-US" smtClean="0"/>
               <a:t>2024/3/10</a:t>
             </a:fld>
@@ -1409,7 +1409,7 @@
           <p:cNvPr id="6" name="页脚占位符 5">
             <a:extLst>
               <a:ext uri="{FF2B5EF4-FFF2-40B4-BE49-F238E27FC236}">
-                <a16:creationId xmlns:a16="http://schemas.microsoft.com/office/drawing/2014/main" id="{75129B01-55C6-4478-2F51-26EFCFDF2436}"/>
+                <a16:creationId xmlns:a16="http://schemas.microsoft.com/office/drawing/2014/main" id="{1CCE365F-49EF-C21F-5522-0BBB35A695BE}"/>
               </a:ext>
             </a:extLst>
           </p:cNvPr>
@@ -1434,7 +1434,7 @@
           <p:cNvPr id="7" name="灯片编号占位符 6">
             <a:extLst>
               <a:ext uri="{FF2B5EF4-FFF2-40B4-BE49-F238E27FC236}">
-                <a16:creationId xmlns:a16="http://schemas.microsoft.com/office/drawing/2014/main" id="{65E40CB8-2678-AC92-1822-54F6487FF174}"/>
+                <a16:creationId xmlns:a16="http://schemas.microsoft.com/office/drawing/2014/main" id="{11A81981-6154-7795-8DD2-61E07B994D80}"/>
               </a:ext>
             </a:extLst>
           </p:cNvPr>
@@ -1450,7 +1450,7 @@
           <a:bodyPr/>
           <a:lstStyle/>
           <a:p>
-            <a:fld id="{CF90B93A-F81F-49D0-A847-043A8B23B8C4}" type="slidenum">
+            <a:fld id="{05A26427-DCC4-4172-8F33-69F1261F8897}" type="slidenum">
               <a:rPr lang="zh-CN" altLang="en-US" smtClean="0"/>
               <a:t>‹#›</a:t>
             </a:fld>
@@ -1461,7 +1461,7 @@
     </p:spTree>
     <p:extLst>
       <p:ext uri="{BB962C8B-B14F-4D97-AF65-F5344CB8AC3E}">
-        <p14:creationId xmlns:p14="http://schemas.microsoft.com/office/powerpoint/2010/main" val="2046736868"/>
+        <p14:creationId xmlns:p14="http://schemas.microsoft.com/office/powerpoint/2010/main" val="3574538349"/>
       </p:ext>
     </p:extLst>
   </p:cSld>
@@ -1493,7 +1493,7 @@
           <p:cNvPr id="2" name="标题 1">
             <a:extLst>
               <a:ext uri="{FF2B5EF4-FFF2-40B4-BE49-F238E27FC236}">
-                <a16:creationId xmlns:a16="http://schemas.microsoft.com/office/drawing/2014/main" id="{652AF097-1D79-8E0F-9847-E890EADED5DA}"/>
+                <a16:creationId xmlns:a16="http://schemas.microsoft.com/office/drawing/2014/main" id="{68490C59-4B3E-6674-CD68-4CCC5ED13CD5}"/>
               </a:ext>
             </a:extLst>
           </p:cNvPr>
@@ -1526,7 +1526,7 @@
           <p:cNvPr id="3" name="文本占位符 2">
             <a:extLst>
               <a:ext uri="{FF2B5EF4-FFF2-40B4-BE49-F238E27FC236}">
-                <a16:creationId xmlns:a16="http://schemas.microsoft.com/office/drawing/2014/main" id="{D8F98B23-B0D5-C762-B5B4-0F49BF20822F}"/>
+                <a16:creationId xmlns:a16="http://schemas.microsoft.com/office/drawing/2014/main" id="{096413CE-9391-1047-DE8A-CE764411D1C8}"/>
               </a:ext>
             </a:extLst>
           </p:cNvPr>
@@ -1597,7 +1597,7 @@
           <p:cNvPr id="4" name="内容占位符 3">
             <a:extLst>
               <a:ext uri="{FF2B5EF4-FFF2-40B4-BE49-F238E27FC236}">
-                <a16:creationId xmlns:a16="http://schemas.microsoft.com/office/drawing/2014/main" id="{96C28CEA-2833-3F85-A11D-45B6954CA126}"/>
+                <a16:creationId xmlns:a16="http://schemas.microsoft.com/office/drawing/2014/main" id="{180D9CA2-AE7A-BB27-29DF-2E89C58DD10A}"/>
               </a:ext>
             </a:extLst>
           </p:cNvPr>
@@ -1659,7 +1659,7 @@
           <p:cNvPr id="5" name="文本占位符 4">
             <a:extLst>
               <a:ext uri="{FF2B5EF4-FFF2-40B4-BE49-F238E27FC236}">
-                <a16:creationId xmlns:a16="http://schemas.microsoft.com/office/drawing/2014/main" id="{BC385EFE-7E80-FBEA-4B72-9C33DBF7047D}"/>
+                <a16:creationId xmlns:a16="http://schemas.microsoft.com/office/drawing/2014/main" id="{2A76B89A-F6E5-BB20-DB3D-BB1857FF6ACD}"/>
               </a:ext>
             </a:extLst>
           </p:cNvPr>
@@ -1730,7 +1730,7 @@
           <p:cNvPr id="6" name="内容占位符 5">
             <a:extLst>
               <a:ext uri="{FF2B5EF4-FFF2-40B4-BE49-F238E27FC236}">
-                <a16:creationId xmlns:a16="http://schemas.microsoft.com/office/drawing/2014/main" id="{71EA9DC5-0233-C43A-EDC4-38571E12FAF6}"/>
+                <a16:creationId xmlns:a16="http://schemas.microsoft.com/office/drawing/2014/main" id="{824E9388-C963-A55F-0B73-85EFBB5A1B38}"/>
               </a:ext>
             </a:extLst>
           </p:cNvPr>
@@ -1792,7 +1792,7 @@
           <p:cNvPr id="7" name="日期占位符 6">
             <a:extLst>
               <a:ext uri="{FF2B5EF4-FFF2-40B4-BE49-F238E27FC236}">
-                <a16:creationId xmlns:a16="http://schemas.microsoft.com/office/drawing/2014/main" id="{700C440F-EC48-A214-A2D9-C73EBF9B08AC}"/>
+                <a16:creationId xmlns:a16="http://schemas.microsoft.com/office/drawing/2014/main" id="{A1C1886A-F385-197F-617A-4A8B719B7BDA}"/>
               </a:ext>
             </a:extLst>
           </p:cNvPr>
@@ -1808,7 +1808,7 @@
           <a:bodyPr/>
           <a:lstStyle/>
           <a:p>
-            <a:fld id="{82BB284A-3647-4100-837C-26C724E6BB3B}" type="datetimeFigureOut">
+            <a:fld id="{93B23A89-AADF-40A6-9FC5-4BC865C344F0}" type="datetimeFigureOut">
               <a:rPr lang="zh-CN" altLang="en-US" smtClean="0"/>
               <a:t>2024/3/10</a:t>
             </a:fld>
@@ -1821,7 +1821,7 @@
           <p:cNvPr id="8" name="页脚占位符 7">
             <a:extLst>
               <a:ext uri="{FF2B5EF4-FFF2-40B4-BE49-F238E27FC236}">
-                <a16:creationId xmlns:a16="http://schemas.microsoft.com/office/drawing/2014/main" id="{13AF360A-D56B-3AA0-D96A-B2E061723DCD}"/>
+                <a16:creationId xmlns:a16="http://schemas.microsoft.com/office/drawing/2014/main" id="{D0B59AF9-07B0-307D-4922-D8DB1979A0E9}"/>
               </a:ext>
             </a:extLst>
           </p:cNvPr>
@@ -1846,7 +1846,7 @@
           <p:cNvPr id="9" name="灯片编号占位符 8">
             <a:extLst>
               <a:ext uri="{FF2B5EF4-FFF2-40B4-BE49-F238E27FC236}">
-                <a16:creationId xmlns:a16="http://schemas.microsoft.com/office/drawing/2014/main" id="{9CBBA696-6D10-3E66-C412-A43947C9DF93}"/>
+                <a16:creationId xmlns:a16="http://schemas.microsoft.com/office/drawing/2014/main" id="{BDD3C68A-3892-4A89-28FD-51F666E63ED1}"/>
               </a:ext>
             </a:extLst>
           </p:cNvPr>
@@ -1862,7 +1862,7 @@
           <a:bodyPr/>
           <a:lstStyle/>
           <a:p>
-            <a:fld id="{CF90B93A-F81F-49D0-A847-043A8B23B8C4}" type="slidenum">
+            <a:fld id="{05A26427-DCC4-4172-8F33-69F1261F8897}" type="slidenum">
               <a:rPr lang="zh-CN" altLang="en-US" smtClean="0"/>
               <a:t>‹#›</a:t>
             </a:fld>
@@ -1873,7 +1873,7 @@
     </p:spTree>
     <p:extLst>
       <p:ext uri="{BB962C8B-B14F-4D97-AF65-F5344CB8AC3E}">
-        <p14:creationId xmlns:p14="http://schemas.microsoft.com/office/powerpoint/2010/main" val="1102606172"/>
+        <p14:creationId xmlns:p14="http://schemas.microsoft.com/office/powerpoint/2010/main" val="143369122"/>
       </p:ext>
     </p:extLst>
   </p:cSld>
@@ -1905,7 +1905,7 @@
           <p:cNvPr id="2" name="标题 1">
             <a:extLst>
               <a:ext uri="{FF2B5EF4-FFF2-40B4-BE49-F238E27FC236}">
-                <a16:creationId xmlns:a16="http://schemas.microsoft.com/office/drawing/2014/main" id="{468894F4-20F3-6D08-48BD-AD6FEF1D67E9}"/>
+                <a16:creationId xmlns:a16="http://schemas.microsoft.com/office/drawing/2014/main" id="{39EF69C0-D0E3-B7B6-AD73-B82F52FC70B0}"/>
               </a:ext>
             </a:extLst>
           </p:cNvPr>
@@ -1933,7 +1933,7 @@
           <p:cNvPr id="3" name="日期占位符 2">
             <a:extLst>
               <a:ext uri="{FF2B5EF4-FFF2-40B4-BE49-F238E27FC236}">
-                <a16:creationId xmlns:a16="http://schemas.microsoft.com/office/drawing/2014/main" id="{DB180C55-6A84-B108-1471-E9C535D0C1C0}"/>
+                <a16:creationId xmlns:a16="http://schemas.microsoft.com/office/drawing/2014/main" id="{3E0AAB07-F6D7-E1D0-4E26-FD435A6C9955}"/>
               </a:ext>
             </a:extLst>
           </p:cNvPr>
@@ -1949,7 +1949,7 @@
           <a:bodyPr/>
           <a:lstStyle/>
           <a:p>
-            <a:fld id="{82BB284A-3647-4100-837C-26C724E6BB3B}" type="datetimeFigureOut">
+            <a:fld id="{93B23A89-AADF-40A6-9FC5-4BC865C344F0}" type="datetimeFigureOut">
               <a:rPr lang="zh-CN" altLang="en-US" smtClean="0"/>
               <a:t>2024/3/10</a:t>
             </a:fld>
@@ -1962,7 +1962,7 @@
           <p:cNvPr id="4" name="页脚占位符 3">
             <a:extLst>
               <a:ext uri="{FF2B5EF4-FFF2-40B4-BE49-F238E27FC236}">
-                <a16:creationId xmlns:a16="http://schemas.microsoft.com/office/drawing/2014/main" id="{B41B626A-E568-4570-000B-004B7886DFC8}"/>
+                <a16:creationId xmlns:a16="http://schemas.microsoft.com/office/drawing/2014/main" id="{6C511EA9-7CEB-922B-C654-6836EDFA98CA}"/>
               </a:ext>
             </a:extLst>
           </p:cNvPr>
@@ -1987,7 +1987,7 @@
           <p:cNvPr id="5" name="灯片编号占位符 4">
             <a:extLst>
               <a:ext uri="{FF2B5EF4-FFF2-40B4-BE49-F238E27FC236}">
-                <a16:creationId xmlns:a16="http://schemas.microsoft.com/office/drawing/2014/main" id="{6A1AD45A-B027-330E-84C8-3B231639D15D}"/>
+                <a16:creationId xmlns:a16="http://schemas.microsoft.com/office/drawing/2014/main" id="{FCB36800-FC09-8728-406C-F73130F96A6F}"/>
               </a:ext>
             </a:extLst>
           </p:cNvPr>
@@ -2003,7 +2003,7 @@
           <a:bodyPr/>
           <a:lstStyle/>
           <a:p>
-            <a:fld id="{CF90B93A-F81F-49D0-A847-043A8B23B8C4}" type="slidenum">
+            <a:fld id="{05A26427-DCC4-4172-8F33-69F1261F8897}" type="slidenum">
               <a:rPr lang="zh-CN" altLang="en-US" smtClean="0"/>
               <a:t>‹#›</a:t>
             </a:fld>
@@ -2014,7 +2014,7 @@
     </p:spTree>
     <p:extLst>
       <p:ext uri="{BB962C8B-B14F-4D97-AF65-F5344CB8AC3E}">
-        <p14:creationId xmlns:p14="http://schemas.microsoft.com/office/powerpoint/2010/main" val="1371571444"/>
+        <p14:creationId xmlns:p14="http://schemas.microsoft.com/office/powerpoint/2010/main" val="3933633350"/>
       </p:ext>
     </p:extLst>
   </p:cSld>
@@ -2046,7 +2046,7 @@
           <p:cNvPr id="2" name="日期占位符 1">
             <a:extLst>
               <a:ext uri="{FF2B5EF4-FFF2-40B4-BE49-F238E27FC236}">
-                <a16:creationId xmlns:a16="http://schemas.microsoft.com/office/drawing/2014/main" id="{6DDF749A-825A-9DBD-627E-18D8B925BF62}"/>
+                <a16:creationId xmlns:a16="http://schemas.microsoft.com/office/drawing/2014/main" id="{1108D9C6-927F-C4F6-3646-4BDCB20FBF1E}"/>
               </a:ext>
             </a:extLst>
           </p:cNvPr>
@@ -2062,7 +2062,7 @@
           <a:bodyPr/>
           <a:lstStyle/>
           <a:p>
-            <a:fld id="{82BB284A-3647-4100-837C-26C724E6BB3B}" type="datetimeFigureOut">
+            <a:fld id="{93B23A89-AADF-40A6-9FC5-4BC865C344F0}" type="datetimeFigureOut">
               <a:rPr lang="zh-CN" altLang="en-US" smtClean="0"/>
               <a:t>2024/3/10</a:t>
             </a:fld>
@@ -2075,7 +2075,7 @@
           <p:cNvPr id="3" name="页脚占位符 2">
             <a:extLst>
               <a:ext uri="{FF2B5EF4-FFF2-40B4-BE49-F238E27FC236}">
-                <a16:creationId xmlns:a16="http://schemas.microsoft.com/office/drawing/2014/main" id="{448AC291-78B7-85B5-C06D-7E758AFC88CB}"/>
+                <a16:creationId xmlns:a16="http://schemas.microsoft.com/office/drawing/2014/main" id="{2F2F291D-4544-BE7F-8A66-EF470C8A979F}"/>
               </a:ext>
             </a:extLst>
           </p:cNvPr>
@@ -2100,7 +2100,7 @@
           <p:cNvPr id="4" name="灯片编号占位符 3">
             <a:extLst>
               <a:ext uri="{FF2B5EF4-FFF2-40B4-BE49-F238E27FC236}">
-                <a16:creationId xmlns:a16="http://schemas.microsoft.com/office/drawing/2014/main" id="{6FC308D7-1F59-EA81-B888-DD048EFA6D4E}"/>
+                <a16:creationId xmlns:a16="http://schemas.microsoft.com/office/drawing/2014/main" id="{9AF4D353-EF51-7D42-C293-3BF49AFB3BD4}"/>
               </a:ext>
             </a:extLst>
           </p:cNvPr>
@@ -2116,7 +2116,7 @@
           <a:bodyPr/>
           <a:lstStyle/>
           <a:p>
-            <a:fld id="{CF90B93A-F81F-49D0-A847-043A8B23B8C4}" type="slidenum">
+            <a:fld id="{05A26427-DCC4-4172-8F33-69F1261F8897}" type="slidenum">
               <a:rPr lang="zh-CN" altLang="en-US" smtClean="0"/>
               <a:t>‹#›</a:t>
             </a:fld>
@@ -2127,7 +2127,7 @@
     </p:spTree>
     <p:extLst>
       <p:ext uri="{BB962C8B-B14F-4D97-AF65-F5344CB8AC3E}">
-        <p14:creationId xmlns:p14="http://schemas.microsoft.com/office/powerpoint/2010/main" val="3698711046"/>
+        <p14:creationId xmlns:p14="http://schemas.microsoft.com/office/powerpoint/2010/main" val="3871206281"/>
       </p:ext>
     </p:extLst>
   </p:cSld>
@@ -2159,7 +2159,7 @@
           <p:cNvPr id="2" name="标题 1">
             <a:extLst>
               <a:ext uri="{FF2B5EF4-FFF2-40B4-BE49-F238E27FC236}">
-                <a16:creationId xmlns:a16="http://schemas.microsoft.com/office/drawing/2014/main" id="{7000BD6A-F7C9-A964-FD40-48958C1AF4D1}"/>
+                <a16:creationId xmlns:a16="http://schemas.microsoft.com/office/drawing/2014/main" id="{FE372266-0D2A-45B9-ED37-899B7D04B863}"/>
               </a:ext>
             </a:extLst>
           </p:cNvPr>
@@ -2196,7 +2196,7 @@
           <p:cNvPr id="3" name="内容占位符 2">
             <a:extLst>
               <a:ext uri="{FF2B5EF4-FFF2-40B4-BE49-F238E27FC236}">
-                <a16:creationId xmlns:a16="http://schemas.microsoft.com/office/drawing/2014/main" id="{759C1892-322E-3CE2-2F56-61544054DBDA}"/>
+                <a16:creationId xmlns:a16="http://schemas.microsoft.com/office/drawing/2014/main" id="{29851688-4E52-2DB4-C4C3-F482FA07DE71}"/>
               </a:ext>
             </a:extLst>
           </p:cNvPr>
@@ -2286,7 +2286,7 @@
           <p:cNvPr id="4" name="文本占位符 3">
             <a:extLst>
               <a:ext uri="{FF2B5EF4-FFF2-40B4-BE49-F238E27FC236}">
-                <a16:creationId xmlns:a16="http://schemas.microsoft.com/office/drawing/2014/main" id="{F0893C66-32C1-B7EC-7374-0DBD5159A1CF}"/>
+                <a16:creationId xmlns:a16="http://schemas.microsoft.com/office/drawing/2014/main" id="{0C9C19D2-46A6-A79D-845F-ABB39AD3A66F}"/>
               </a:ext>
             </a:extLst>
           </p:cNvPr>
@@ -2357,7 +2357,7 @@
           <p:cNvPr id="5" name="日期占位符 4">
             <a:extLst>
               <a:ext uri="{FF2B5EF4-FFF2-40B4-BE49-F238E27FC236}">
-                <a16:creationId xmlns:a16="http://schemas.microsoft.com/office/drawing/2014/main" id="{69F28185-6096-DC88-7B62-17005E399998}"/>
+                <a16:creationId xmlns:a16="http://schemas.microsoft.com/office/drawing/2014/main" id="{16517602-EA42-53BD-5DA8-ADAEEF10AC6E}"/>
               </a:ext>
             </a:extLst>
           </p:cNvPr>
@@ -2373,7 +2373,7 @@
           <a:bodyPr/>
           <a:lstStyle/>
           <a:p>
-            <a:fld id="{82BB284A-3647-4100-837C-26C724E6BB3B}" type="datetimeFigureOut">
+            <a:fld id="{93B23A89-AADF-40A6-9FC5-4BC865C344F0}" type="datetimeFigureOut">
               <a:rPr lang="zh-CN" altLang="en-US" smtClean="0"/>
               <a:t>2024/3/10</a:t>
             </a:fld>
@@ -2386,7 +2386,7 @@
           <p:cNvPr id="6" name="页脚占位符 5">
             <a:extLst>
               <a:ext uri="{FF2B5EF4-FFF2-40B4-BE49-F238E27FC236}">
-                <a16:creationId xmlns:a16="http://schemas.microsoft.com/office/drawing/2014/main" id="{150F3601-BFDB-F9C7-88BF-BAA946B23BC9}"/>
+                <a16:creationId xmlns:a16="http://schemas.microsoft.com/office/drawing/2014/main" id="{B3D64CE5-EA61-5F12-ECCB-097862B60605}"/>
               </a:ext>
             </a:extLst>
           </p:cNvPr>
@@ -2411,7 +2411,7 @@
           <p:cNvPr id="7" name="灯片编号占位符 6">
             <a:extLst>
               <a:ext uri="{FF2B5EF4-FFF2-40B4-BE49-F238E27FC236}">
-                <a16:creationId xmlns:a16="http://schemas.microsoft.com/office/drawing/2014/main" id="{114F1029-9BAA-CFCE-F5C2-251A751129EB}"/>
+                <a16:creationId xmlns:a16="http://schemas.microsoft.com/office/drawing/2014/main" id="{ED3BD2B5-93B6-B565-FFDD-133842E39216}"/>
               </a:ext>
             </a:extLst>
           </p:cNvPr>
@@ -2427,7 +2427,7 @@
           <a:bodyPr/>
           <a:lstStyle/>
           <a:p>
-            <a:fld id="{CF90B93A-F81F-49D0-A847-043A8B23B8C4}" type="slidenum">
+            <a:fld id="{05A26427-DCC4-4172-8F33-69F1261F8897}" type="slidenum">
               <a:rPr lang="zh-CN" altLang="en-US" smtClean="0"/>
               <a:t>‹#›</a:t>
             </a:fld>
@@ -2438,7 +2438,7 @@
     </p:spTree>
     <p:extLst>
       <p:ext uri="{BB962C8B-B14F-4D97-AF65-F5344CB8AC3E}">
-        <p14:creationId xmlns:p14="http://schemas.microsoft.com/office/powerpoint/2010/main" val="1118751223"/>
+        <p14:creationId xmlns:p14="http://schemas.microsoft.com/office/powerpoint/2010/main" val="1258810934"/>
       </p:ext>
     </p:extLst>
   </p:cSld>
@@ -2470,7 +2470,7 @@
           <p:cNvPr id="2" name="标题 1">
             <a:extLst>
               <a:ext uri="{FF2B5EF4-FFF2-40B4-BE49-F238E27FC236}">
-                <a16:creationId xmlns:a16="http://schemas.microsoft.com/office/drawing/2014/main" id="{C347DE64-2329-F981-74AB-CCACF87EDE38}"/>
+                <a16:creationId xmlns:a16="http://schemas.microsoft.com/office/drawing/2014/main" id="{98E1A10C-A7F2-4A2C-DA94-5741E3B33591}"/>
               </a:ext>
             </a:extLst>
           </p:cNvPr>
@@ -2507,7 +2507,7 @@
           <p:cNvPr id="3" name="图片占位符 2">
             <a:extLst>
               <a:ext uri="{FF2B5EF4-FFF2-40B4-BE49-F238E27FC236}">
-                <a16:creationId xmlns:a16="http://schemas.microsoft.com/office/drawing/2014/main" id="{F53FEF43-D7C5-6E3A-51C3-22CB1ED98C87}"/>
+                <a16:creationId xmlns:a16="http://schemas.microsoft.com/office/drawing/2014/main" id="{47064872-887E-01DF-6EB1-8BDE419C1FFB}"/>
               </a:ext>
             </a:extLst>
           </p:cNvPr>
@@ -2574,7 +2574,7 @@
           <p:cNvPr id="4" name="文本占位符 3">
             <a:extLst>
               <a:ext uri="{FF2B5EF4-FFF2-40B4-BE49-F238E27FC236}">
-                <a16:creationId xmlns:a16="http://schemas.microsoft.com/office/drawing/2014/main" id="{6B616A45-0583-FE1B-B157-1F56B57A8BFC}"/>
+                <a16:creationId xmlns:a16="http://schemas.microsoft.com/office/drawing/2014/main" id="{F689C9DF-5D74-2853-CA56-312A70C0770C}"/>
               </a:ext>
             </a:extLst>
           </p:cNvPr>
@@ -2645,7 +2645,7 @@
           <p:cNvPr id="5" name="日期占位符 4">
             <a:extLst>
               <a:ext uri="{FF2B5EF4-FFF2-40B4-BE49-F238E27FC236}">
-                <a16:creationId xmlns:a16="http://schemas.microsoft.com/office/drawing/2014/main" id="{01EB673B-D328-D3A7-A370-4D8E061E18E3}"/>
+                <a16:creationId xmlns:a16="http://schemas.microsoft.com/office/drawing/2014/main" id="{CB31FAC2-E3C1-3408-13A3-F89CC28F82C1}"/>
               </a:ext>
             </a:extLst>
           </p:cNvPr>
@@ -2661,7 +2661,7 @@
           <a:bodyPr/>
           <a:lstStyle/>
           <a:p>
-            <a:fld id="{82BB284A-3647-4100-837C-26C724E6BB3B}" type="datetimeFigureOut">
+            <a:fld id="{93B23A89-AADF-40A6-9FC5-4BC865C344F0}" type="datetimeFigureOut">
               <a:rPr lang="zh-CN" altLang="en-US" smtClean="0"/>
               <a:t>2024/3/10</a:t>
             </a:fld>
@@ -2674,7 +2674,7 @@
           <p:cNvPr id="6" name="页脚占位符 5">
             <a:extLst>
               <a:ext uri="{FF2B5EF4-FFF2-40B4-BE49-F238E27FC236}">
-                <a16:creationId xmlns:a16="http://schemas.microsoft.com/office/drawing/2014/main" id="{B0EEB07F-1ED6-F41E-AC3B-38958C179FC7}"/>
+                <a16:creationId xmlns:a16="http://schemas.microsoft.com/office/drawing/2014/main" id="{E2051A54-3A7C-BB2A-E137-16A342183140}"/>
               </a:ext>
             </a:extLst>
           </p:cNvPr>
@@ -2699,7 +2699,7 @@
           <p:cNvPr id="7" name="灯片编号占位符 6">
             <a:extLst>
               <a:ext uri="{FF2B5EF4-FFF2-40B4-BE49-F238E27FC236}">
-                <a16:creationId xmlns:a16="http://schemas.microsoft.com/office/drawing/2014/main" id="{16334B42-CF2A-041B-7462-727535607282}"/>
+                <a16:creationId xmlns:a16="http://schemas.microsoft.com/office/drawing/2014/main" id="{EF455FC1-D43A-5C47-8B1B-F2825DAC613A}"/>
               </a:ext>
             </a:extLst>
           </p:cNvPr>
@@ -2715,7 +2715,7 @@
           <a:bodyPr/>
           <a:lstStyle/>
           <a:p>
-            <a:fld id="{CF90B93A-F81F-49D0-A847-043A8B23B8C4}" type="slidenum">
+            <a:fld id="{05A26427-DCC4-4172-8F33-69F1261F8897}" type="slidenum">
               <a:rPr lang="zh-CN" altLang="en-US" smtClean="0"/>
               <a:t>‹#›</a:t>
             </a:fld>
@@ -2726,7 +2726,7 @@
     </p:spTree>
     <p:extLst>
       <p:ext uri="{BB962C8B-B14F-4D97-AF65-F5344CB8AC3E}">
-        <p14:creationId xmlns:p14="http://schemas.microsoft.com/office/powerpoint/2010/main" val="4118256899"/>
+        <p14:creationId xmlns:p14="http://schemas.microsoft.com/office/powerpoint/2010/main" val="4278022047"/>
       </p:ext>
     </p:extLst>
   </p:cSld>
@@ -2763,7 +2763,7 @@
           <p:cNvPr id="2" name="标题占位符 1">
             <a:extLst>
               <a:ext uri="{FF2B5EF4-FFF2-40B4-BE49-F238E27FC236}">
-                <a16:creationId xmlns:a16="http://schemas.microsoft.com/office/drawing/2014/main" id="{28277C37-551F-1A58-F2FD-06D2C0A517A2}"/>
+                <a16:creationId xmlns:a16="http://schemas.microsoft.com/office/drawing/2014/main" id="{E610A946-0A61-8D33-273D-29C42A438453}"/>
               </a:ext>
             </a:extLst>
           </p:cNvPr>
@@ -2801,7 +2801,7 @@
           <p:cNvPr id="3" name="文本占位符 2">
             <a:extLst>
               <a:ext uri="{FF2B5EF4-FFF2-40B4-BE49-F238E27FC236}">
-                <a16:creationId xmlns:a16="http://schemas.microsoft.com/office/drawing/2014/main" id="{04881470-7CAE-FA10-3A1B-FA5BD11BC6DD}"/>
+                <a16:creationId xmlns:a16="http://schemas.microsoft.com/office/drawing/2014/main" id="{79A6179C-3284-06C0-1001-1D26032E6842}"/>
               </a:ext>
             </a:extLst>
           </p:cNvPr>
@@ -2868,7 +2868,7 @@
           <p:cNvPr id="4" name="日期占位符 3">
             <a:extLst>
               <a:ext uri="{FF2B5EF4-FFF2-40B4-BE49-F238E27FC236}">
-                <a16:creationId xmlns:a16="http://schemas.microsoft.com/office/drawing/2014/main" id="{5514A23F-1C16-1118-1604-82A91F8ED924}"/>
+                <a16:creationId xmlns:a16="http://schemas.microsoft.com/office/drawing/2014/main" id="{C29813C0-B848-81D1-4A01-8C5403627DFC}"/>
               </a:ext>
             </a:extLst>
           </p:cNvPr>
@@ -2902,7 +2902,7 @@
             </a:lvl1pPr>
           </a:lstStyle>
           <a:p>
-            <a:fld id="{82BB284A-3647-4100-837C-26C724E6BB3B}" type="datetimeFigureOut">
+            <a:fld id="{93B23A89-AADF-40A6-9FC5-4BC865C344F0}" type="datetimeFigureOut">
               <a:rPr lang="zh-CN" altLang="en-US" smtClean="0"/>
               <a:t>2024/3/10</a:t>
             </a:fld>
@@ -2915,7 +2915,7 @@
           <p:cNvPr id="5" name="页脚占位符 4">
             <a:extLst>
               <a:ext uri="{FF2B5EF4-FFF2-40B4-BE49-F238E27FC236}">
-                <a16:creationId xmlns:a16="http://schemas.microsoft.com/office/drawing/2014/main" id="{263FD517-7096-0C19-AB7A-4B1327446B2D}"/>
+                <a16:creationId xmlns:a16="http://schemas.microsoft.com/office/drawing/2014/main" id="{4AFFBBF6-47F2-2F73-E4B3-DA4870AA9C65}"/>
               </a:ext>
             </a:extLst>
           </p:cNvPr>
@@ -2958,7 +2958,7 @@
           <p:cNvPr id="6" name="灯片编号占位符 5">
             <a:extLst>
               <a:ext uri="{FF2B5EF4-FFF2-40B4-BE49-F238E27FC236}">
-                <a16:creationId xmlns:a16="http://schemas.microsoft.com/office/drawing/2014/main" id="{5CA972D9-9C7A-A3A4-A0DE-625673A4B632}"/>
+                <a16:creationId xmlns:a16="http://schemas.microsoft.com/office/drawing/2014/main" id="{21A5E6B1-DC81-32CF-0611-B24EDC9CEB7F}"/>
               </a:ext>
             </a:extLst>
           </p:cNvPr>
@@ -2992,7 +2992,7 @@
             </a:lvl1pPr>
           </a:lstStyle>
           <a:p>
-            <a:fld id="{CF90B93A-F81F-49D0-A847-043A8B23B8C4}" type="slidenum">
+            <a:fld id="{05A26427-DCC4-4172-8F33-69F1261F8897}" type="slidenum">
               <a:rPr lang="zh-CN" altLang="en-US" smtClean="0"/>
               <a:t>‹#›</a:t>
             </a:fld>
@@ -3003,7 +3003,7 @@
     </p:spTree>
     <p:extLst>
       <p:ext uri="{BB962C8B-B14F-4D97-AF65-F5344CB8AC3E}">
-        <p14:creationId xmlns:p14="http://schemas.microsoft.com/office/powerpoint/2010/main" val="4195101639"/>
+        <p14:creationId xmlns:p14="http://schemas.microsoft.com/office/powerpoint/2010/main" val="3235225813"/>
       </p:ext>
     </p:extLst>
   </p:cSld>
@@ -3323,7 +3323,7 @@
       </p:grpSpPr>
       <p:pic>
         <p:nvPicPr>
-          <p:cNvPr id="608258" name="Picture 2" descr="593"/>
+          <p:cNvPr id="609282" name="Picture 2" descr="594"/>
           <p:cNvPicPr>
             <a:picLocks noChangeAspect="1" noChangeArrowheads="1"/>
           </p:cNvPicPr>
@@ -3345,7 +3345,7 @@
         <p:spPr bwMode="auto">
           <a:xfrm>
             <a:off x="1524000" y="0"/>
-            <a:ext cx="9144000" cy="6858000"/>
+            <a:ext cx="9144000" cy="6859588"/>
           </a:xfrm>
           <a:prstGeom prst="rect">
             <a:avLst/>
